--- a/Week 5 Jan 28th - Feb 2nd/Dr. Baskar and Dr. Aditya Tuesday Presentation.pptx
+++ b/Week 5 Jan 28th - Feb 2nd/Dr. Baskar and Dr. Aditya Tuesday Presentation.pptx
@@ -107,6 +107,11 @@
       </a:defRPr>
     </a:lvl9pPr>
   </p:defaultTextStyle>
+  <p:extLst>
+    <p:ext uri="{EFAFB233-063F-42B5-8137-9DF3F51BA10A}">
+      <p15:sldGuideLst xmlns:p15="http://schemas.microsoft.com/office/powerpoint/2012/main"/>
+    </p:ext>
+  </p:extLst>
 </p:presentation>
 </file>
 
@@ -2298,7 +2303,7 @@
 <dgm:dataModel xmlns:dgm="http://schemas.openxmlformats.org/drawingml/2006/diagram" xmlns:a="http://schemas.openxmlformats.org/drawingml/2006/main">
   <dgm:ptLst>
     <dgm:pt modelId="{8237CFBB-D2C0-40DD-A4C0-B8C2678CE29C}" type="doc">
-      <dgm:prSet loTypeId="urn:microsoft.com/office/officeart/2005/8/layout/hList1" loCatId="list" qsTypeId="urn:microsoft.com/office/officeart/2005/8/quickstyle/simple1" qsCatId="simple" csTypeId="urn:microsoft.com/office/officeart/2005/8/colors/colorful2" csCatId="colorful"/>
+      <dgm:prSet loTypeId="urn:microsoft.com/office/officeart/2005/8/layout/hList1" loCatId="list" qsTypeId="urn:microsoft.com/office/officeart/2005/8/quickstyle/simple1" qsCatId="simple" csTypeId="urn:microsoft.com/office/officeart/2005/8/colors/colorful2" csCatId="colorful" phldr="1"/>
       <dgm:spPr/>
       <dgm:t>
         <a:bodyPr/>
@@ -2496,7 +2501,7 @@
         <a:lstStyle/>
         <a:p>
           <a:r>
-            <a:rPr lang="en-US"/>
+            <a:rPr lang="en-US" dirty="0"/>
             <a:t>Implicit Geometric Regularization</a:t>
           </a:r>
         </a:p>
@@ -2532,8 +2537,8 @@
         <a:lstStyle/>
         <a:p>
           <a:r>
-            <a:rPr lang="en-US"/>
-            <a:t>Nueral Spliens</a:t>
+            <a:rPr lang="en-US" dirty="0"/>
+            <a:t>Neural Splines</a:t>
           </a:r>
         </a:p>
       </dgm:t>
@@ -3816,7 +3821,7 @@
             <a:buChar char="•"/>
           </a:pPr>
           <a:r>
-            <a:rPr lang="en-US" sz="1400" kern="1200"/>
+            <a:rPr lang="en-US" sz="1400" kern="1200" dirty="0"/>
             <a:t>Implicit Geometric Regularization</a:t>
           </a:r>
         </a:p>
@@ -3834,8 +3839,8 @@
             <a:buChar char="•"/>
           </a:pPr>
           <a:r>
-            <a:rPr lang="en-US" sz="1400" kern="1200"/>
-            <a:t>Nueral Spliens</a:t>
+            <a:rPr lang="en-US" sz="1400" kern="1200" dirty="0"/>
+            <a:t>Neural Splines</a:t>
           </a:r>
         </a:p>
       </dsp:txBody>
@@ -6704,7 +6709,7 @@
           <a:p>
             <a:fld id="{D8D33C4C-302E-274C-8083-EF39B5BAF196}" type="datetimeFigureOut">
               <a:rPr lang="en-US" smtClean="0"/>
-              <a:t>1/29/24</a:t>
+              <a:t>1/30/24</a:t>
             </a:fld>
             <a:endParaRPr lang="en-US"/>
           </a:p>
@@ -6902,7 +6907,7 @@
           <a:p>
             <a:fld id="{D8D33C4C-302E-274C-8083-EF39B5BAF196}" type="datetimeFigureOut">
               <a:rPr lang="en-US" smtClean="0"/>
-              <a:t>1/29/24</a:t>
+              <a:t>1/30/24</a:t>
             </a:fld>
             <a:endParaRPr lang="en-US"/>
           </a:p>
@@ -7110,7 +7115,7 @@
           <a:p>
             <a:fld id="{D8D33C4C-302E-274C-8083-EF39B5BAF196}" type="datetimeFigureOut">
               <a:rPr lang="en-US" smtClean="0"/>
-              <a:t>1/29/24</a:t>
+              <a:t>1/30/24</a:t>
             </a:fld>
             <a:endParaRPr lang="en-US"/>
           </a:p>
@@ -7308,7 +7313,7 @@
           <a:p>
             <a:fld id="{D8D33C4C-302E-274C-8083-EF39B5BAF196}" type="datetimeFigureOut">
               <a:rPr lang="en-US" smtClean="0"/>
-              <a:t>1/29/24</a:t>
+              <a:t>1/30/24</a:t>
             </a:fld>
             <a:endParaRPr lang="en-US"/>
           </a:p>
@@ -7583,7 +7588,7 @@
           <a:p>
             <a:fld id="{D8D33C4C-302E-274C-8083-EF39B5BAF196}" type="datetimeFigureOut">
               <a:rPr lang="en-US" smtClean="0"/>
-              <a:t>1/29/24</a:t>
+              <a:t>1/30/24</a:t>
             </a:fld>
             <a:endParaRPr lang="en-US"/>
           </a:p>
@@ -7848,7 +7853,7 @@
           <a:p>
             <a:fld id="{D8D33C4C-302E-274C-8083-EF39B5BAF196}" type="datetimeFigureOut">
               <a:rPr lang="en-US" smtClean="0"/>
-              <a:t>1/29/24</a:t>
+              <a:t>1/30/24</a:t>
             </a:fld>
             <a:endParaRPr lang="en-US"/>
           </a:p>
@@ -8260,7 +8265,7 @@
           <a:p>
             <a:fld id="{D8D33C4C-302E-274C-8083-EF39B5BAF196}" type="datetimeFigureOut">
               <a:rPr lang="en-US" smtClean="0"/>
-              <a:t>1/29/24</a:t>
+              <a:t>1/30/24</a:t>
             </a:fld>
             <a:endParaRPr lang="en-US"/>
           </a:p>
@@ -8401,7 +8406,7 @@
           <a:p>
             <a:fld id="{D8D33C4C-302E-274C-8083-EF39B5BAF196}" type="datetimeFigureOut">
               <a:rPr lang="en-US" smtClean="0"/>
-              <a:t>1/29/24</a:t>
+              <a:t>1/30/24</a:t>
             </a:fld>
             <a:endParaRPr lang="en-US"/>
           </a:p>
@@ -8514,7 +8519,7 @@
           <a:p>
             <a:fld id="{D8D33C4C-302E-274C-8083-EF39B5BAF196}" type="datetimeFigureOut">
               <a:rPr lang="en-US" smtClean="0"/>
-              <a:t>1/29/24</a:t>
+              <a:t>1/30/24</a:t>
             </a:fld>
             <a:endParaRPr lang="en-US"/>
           </a:p>
@@ -8825,7 +8830,7 @@
           <a:p>
             <a:fld id="{D8D33C4C-302E-274C-8083-EF39B5BAF196}" type="datetimeFigureOut">
               <a:rPr lang="en-US" smtClean="0"/>
-              <a:t>1/29/24</a:t>
+              <a:t>1/30/24</a:t>
             </a:fld>
             <a:endParaRPr lang="en-US"/>
           </a:p>
@@ -9113,7 +9118,7 @@
           <a:p>
             <a:fld id="{D8D33C4C-302E-274C-8083-EF39B5BAF196}" type="datetimeFigureOut">
               <a:rPr lang="en-US" smtClean="0"/>
-              <a:t>1/29/24</a:t>
+              <a:t>1/30/24</a:t>
             </a:fld>
             <a:endParaRPr lang="en-US"/>
           </a:p>
@@ -9354,7 +9359,7 @@
           <a:p>
             <a:fld id="{D8D33C4C-302E-274C-8083-EF39B5BAF196}" type="datetimeFigureOut">
               <a:rPr lang="en-US" smtClean="0"/>
-              <a:t>1/29/24</a:t>
+              <a:t>1/30/24</a:t>
             </a:fld>
             <a:endParaRPr lang="en-US"/>
           </a:p>
@@ -10098,7 +10103,7 @@
           <p:nvPr>
             <p:extLst>
               <p:ext uri="{D42A27DB-BD31-4B8C-83A1-F6EECF244321}">
-                <p14:modId xmlns:p14="http://schemas.microsoft.com/office/powerpoint/2010/main" val="3426514726"/>
+                <p14:modId xmlns:p14="http://schemas.microsoft.com/office/powerpoint/2010/main" val="184985485"/>
               </p:ext>
             </p:extLst>
           </p:nvPr>
